--- a/ACOP 2024 Poster ADPO 2 col.pptx
+++ b/ACOP 2024 Poster ADPO 2 col.pptx
@@ -3318,7 +3318,7 @@
         <p:spPr>
           <a:xfrm>
             <a:off x="274321" y="5660193"/>
-            <a:ext cx="13883185" cy="37536558"/>
+            <a:ext cx="13883185" cy="38090556"/>
           </a:xfrm>
           <a:prstGeom prst="rect">
             <a:avLst/>
@@ -3348,7 +3348,7 @@
                 <a:latin typeface="Arial" panose="020B0604020202020204" pitchFamily="34" charset="0"/>
                 <a:cs typeface="Arial" panose="020B0604020202020204" pitchFamily="34" charset="0"/>
               </a:rPr>
-              <a:t>Performance of nonlinear mixed effects models has been a limiting factor in its application to pharmacometrics since the methods were first introduced with both NONMEM (1) and NLME (2). Algorithm developments in the methods, such as conditional methods (3), while improving the accuracy of parameter estimates have typically substantially increased the run time. In addition, it may be the case that conditional methods result in reductions in the numerical robustness of the model, resulting in models with unrecoverable numerical errors, failure to converge, and/or non-positive covariance matrices. We hypothesize that the issues of speed and robustness seen with the first order conditional methods are at least in part related to poor estimates of the first derivative of the conditional parameters WRT the objective function value (OFV) using the finite difference (FD) method (4) and to poor initial estimates of the Hessian matrix for the conditional parameters.</a:t>
+              <a:t>Performance of nonlinear mixed effects models has been a limiting factor in its application to pharmacometrics since the methods were first introduced with both NONMEM (1) and NLME (2). Algorithm developments in the methods, such as conditional methods (3), while improving the accuracy of parameter estimates have typically substantially increased the run time. In addition, it may be the case that conditional methods result in reductions in the numerical robustness of the model, resulting in models with unrecoverable numerical errors, failure to converge, and/or non-positive covariance matrices. We hypothesize that the issues of speed and robustness seen with the first order conditional methods are at least in part related to poor approximation of the gradient of objective function (OF) WRT the conditional parameters using the finite difference (FD) method (4) .</a:t>
             </a:r>
           </a:p>
           <a:p>
@@ -3369,7 +3369,7 @@
                 <a:latin typeface="Arial" panose="020B0604020202020204" pitchFamily="34" charset="0"/>
                 <a:cs typeface="Arial" panose="020B0604020202020204" pitchFamily="34" charset="0"/>
               </a:rPr>
-              <a:t>Finite difference is an approximation to the first derivative of the parameter WRT the OFV based on calculating the OFV at two or more points, then dividing the change in the OFV by the difference in the parameter. This is shown in figure 1.</a:t>
+              <a:t>Finite difference is a numerical method used to approximate the derivative of a function based on nearby function values instead of taking limits (see figure 1 for the central finite difference approximation to the first-order derivative).</a:t>
             </a:r>
           </a:p>
           <a:p>
@@ -3442,12 +3442,18 @@
             </a:r>
           </a:p>
           <a:p>
+            <a:endParaRPr lang="en-US" sz="3600" dirty="0">
+              <a:latin typeface="Arial" panose="020B0604020202020204" pitchFamily="34" charset="0"/>
+              <a:cs typeface="Arial" panose="020B0604020202020204" pitchFamily="34" charset="0"/>
+            </a:endParaRPr>
+          </a:p>
+          <a:p>
             <a:r>
               <a:rPr lang="en-US" sz="3600" dirty="0">
                 <a:latin typeface="Arial" panose="020B0604020202020204" pitchFamily="34" charset="0"/>
                 <a:cs typeface="Arial" panose="020B0604020202020204" pitchFamily="34" charset="0"/>
               </a:rPr>
-              <a:t>Automatic differentiation is an exact method that consists of recursively applying the chain rule to the OFV as in figure 2. This approach is applied only in the conditional step to estimate individual ETAs.</a:t>
+              <a:t>Automatic differentiation is an exact method that consists of recursively applying the chain rule to the function as in figure 2. This approach is applied only in the conditional step to estimate individual ETAs.</a:t>
             </a:r>
             <a:endParaRPr lang="en-US" sz="6000" b="1" dirty="0">
               <a:solidFill>
@@ -3498,7 +3504,7 @@
                 <a:latin typeface="Arial" panose="020B0604020202020204" pitchFamily="34" charset="0"/>
                 <a:cs typeface="Arial" panose="020B0604020202020204" pitchFamily="34" charset="0"/>
               </a:rPr>
-              <a:t>FD gradient calculation with Hessian propagation (standard)</a:t>
+              <a:t>FD gradient calculation with Hessian propagation (Standard)</a:t>
             </a:r>
           </a:p>
           <a:p>
@@ -3538,7 +3544,7 @@
                 <a:latin typeface="Arial" panose="020B0604020202020204" pitchFamily="34" charset="0"/>
                 <a:cs typeface="Arial" panose="020B0604020202020204" pitchFamily="34" charset="0"/>
               </a:rPr>
-              <a:t>AD gradient calculation with Hessian propagation (ADPO)</a:t>
+              <a:t>AD gradient calculation with Hessian propagation (AD)</a:t>
             </a:r>
           </a:p>
           <a:p>
@@ -3626,7 +3632,7 @@
                 <a:latin typeface="Arial" panose="020B0604020202020204" pitchFamily="34" charset="0"/>
                 <a:cs typeface="Arial" panose="020B0604020202020204" pitchFamily="34" charset="0"/>
               </a:rPr>
-              <a:t>With and without between-subject variability (BSV) on Vmax, Km, V2, and Ka, with diagonal or block structure for OMEGA. The simulated data set included 60 subjects, with weights drawn from a log-normal distribution with a geometric mean weight of 70 kg and CV of 0.2. All models had first-order absorption with no absorption lag time. Sampling times were:</a:t>
+              <a:t>With and without between-subject variability (BSV) on Vmax, Km, V2, and Ka, with diagonal or block structure for OMEGA. The simulated data set included 60 subjects, with weights drawn from a log-normal distribution with a geometric mean weight of 70 kg and CV of 0.2. All models had first-order absorption with no absorption lag time. </a:t>
             </a:r>
           </a:p>
           <a:p>
@@ -3635,7 +3641,7 @@
                 <a:latin typeface="Arial" panose="020B0604020202020204" pitchFamily="34" charset="0"/>
                 <a:cs typeface="Arial" panose="020B0604020202020204" pitchFamily="34" charset="0"/>
               </a:rPr>
-              <a:t>0.5,2,6,12,24,48,96,120.  The same 72 data sets were used for all algorithms. The initial estimates for all models (both NLME and NONMEM) were set to the values used to simulate that model.  This resulted in a range of the number of estimated THETAs from 5 to 11 and the number of estimated OMEGAs from 1 to 6.</a:t>
+              <a:t>Sampling times were: 0.5,2,6,12,24,48,96,120.  The same 72 data sets were used for all algorithms. The initial estimates for all models (both NLME and NONMEM) were set to the values used to simulate that model.  This resulted in a range of the number of estimated THETAs from 5 to 11 and the number of estimated OMEGAs from 1 to 6.</a:t>
             </a:r>
           </a:p>
           <a:p>
@@ -3666,7 +3672,7 @@
         </p:nvSpPr>
         <p:spPr>
           <a:xfrm>
-            <a:off x="15332569" y="5799921"/>
+            <a:off x="15079206" y="5584776"/>
             <a:ext cx="16710861" cy="21082695"/>
           </a:xfrm>
           <a:prstGeom prst="rect">
@@ -3729,35 +3735,7 @@
                 <a:ea typeface="Times New Roman" panose="02020603050405020304" pitchFamily="18" charset="0"/>
                 <a:cs typeface="Arial" panose="020B0604020202020204" pitchFamily="34" charset="0"/>
               </a:rPr>
-              <a:t>A set of 61 of the 72 models that did not time out and did not crash was included for the speed benchmark. All 72 models were included in the analysis of convergence, covariance. 10 models were removed as they crashed or </a:t>
-            </a:r>
-            <a:r>
-              <a:rPr lang="en-US" sz="3600" dirty="0" err="1">
-                <a:solidFill>
-                  <a:srgbClr val="333333"/>
-                </a:solidFill>
-                <a:highlight>
-                  <a:srgbClr val="FCFCFC"/>
-                </a:highlight>
-                <a:latin typeface="Arial" panose="020B0604020202020204" pitchFamily="34" charset="0"/>
-                <a:ea typeface="Times New Roman" panose="02020603050405020304" pitchFamily="18" charset="0"/>
-                <a:cs typeface="Arial" panose="020B0604020202020204" pitchFamily="34" charset="0"/>
-              </a:rPr>
-              <a:t>timedout</a:t>
-            </a:r>
-            <a:r>
-              <a:rPr lang="en-US" sz="3600" dirty="0">
-                <a:solidFill>
-                  <a:srgbClr val="333333"/>
-                </a:solidFill>
-                <a:highlight>
-                  <a:srgbClr val="FCFCFC"/>
-                </a:highlight>
-                <a:latin typeface="Arial" panose="020B0604020202020204" pitchFamily="34" charset="0"/>
-                <a:ea typeface="Times New Roman" panose="02020603050405020304" pitchFamily="18" charset="0"/>
-                <a:cs typeface="Arial" panose="020B0604020202020204" pitchFamily="34" charset="0"/>
-              </a:rPr>
-              <a:t> out in NONMEM, 1 model was removed from the AD and Standard set as it had a return code of 7.</a:t>
+              <a:t>A set of 61 of the 72 models that did not time out and did not crash was included for the speed benchmark. All 72 models were included in the analysis of convergence, covariance. 10 models were removed as they crashed or timed out out in NONMEM, 1 model was removed from the AD and Standard set as it had a return code of 7. Results are shown below.</a:t>
             </a:r>
           </a:p>
           <a:p>
@@ -5063,7 +5041,7 @@
         </p:blipFill>
         <p:spPr>
           <a:xfrm>
-            <a:off x="15079206" y="14492335"/>
+            <a:off x="15032229" y="14339134"/>
             <a:ext cx="17145000" cy="11430000"/>
           </a:xfrm>
           <a:prstGeom prst="rect">
@@ -5083,7 +5061,7 @@
   </p:clrMapOvr>
   <p:extLst mod="1">
     <p:ext uri="{6950BFC3-D8DA-4A85-94F7-54DA5524770B}">
-      <p188:commentRel xmlns="" xmlns:p188="http://schemas.microsoft.com/office/powerpoint/2018/8/main" r:id="rId14"/>
+      <p188:commentRel xmlns:p188="http://schemas.microsoft.com/office/powerpoint/2018/8/main" xmlns="" r:id="rId14"/>
     </p:ext>
   </p:extLst>
 </p:sld>
